--- a/presentations/OK-Presentation3.pptx
+++ b/presentations/OK-Presentation3.pptx
@@ -10,11 +10,11 @@
   <p:sldIdLst>
     <p:sldId id="257" r:id="rId2"/>
     <p:sldId id="275" r:id="rId3"/>
-    <p:sldId id="277" r:id="rId4"/>
-    <p:sldId id="287" r:id="rId5"/>
-    <p:sldId id="278" r:id="rId6"/>
-    <p:sldId id="279" r:id="rId7"/>
-    <p:sldId id="280" r:id="rId8"/>
+    <p:sldId id="287" r:id="rId4"/>
+    <p:sldId id="279" r:id="rId5"/>
+    <p:sldId id="277" r:id="rId6"/>
+    <p:sldId id="280" r:id="rId7"/>
+    <p:sldId id="278" r:id="rId8"/>
     <p:sldId id="281" r:id="rId9"/>
     <p:sldId id="289" r:id="rId10"/>
     <p:sldId id="288" r:id="rId11"/>
@@ -676,7 +676,7 @@
           <a:p>
             <a:fld id="{2A754169-42ED-8F44-8C40-18EE0A472757}" type="slidenum">
               <a:rPr lang="en-US" smtClean="0"/>
-              <a:t>5</a:t>
+              <a:t>4</a:t>
             </a:fld>
             <a:endParaRPr lang="en-US"/>
           </a:p>
@@ -685,7 +685,7 @@
     </p:spTree>
     <p:extLst>
       <p:ext uri="{BB962C8B-B14F-4D97-AF65-F5344CB8AC3E}">
-        <p14:creationId xmlns:p14="http://schemas.microsoft.com/office/powerpoint/2010/main" val="1401016538"/>
+        <p14:creationId xmlns:p14="http://schemas.microsoft.com/office/powerpoint/2010/main" val="1987235624"/>
       </p:ext>
     </p:extLst>
   </p:cSld>
@@ -760,7 +760,7 @@
           <a:p>
             <a:fld id="{2A754169-42ED-8F44-8C40-18EE0A472757}" type="slidenum">
               <a:rPr lang="en-US" smtClean="0"/>
-              <a:t>6</a:t>
+              <a:t>7</a:t>
             </a:fld>
             <a:endParaRPr lang="en-US"/>
           </a:p>
@@ -769,7 +769,7 @@
     </p:spTree>
     <p:extLst>
       <p:ext uri="{BB962C8B-B14F-4D97-AF65-F5344CB8AC3E}">
-        <p14:creationId xmlns:p14="http://schemas.microsoft.com/office/powerpoint/2010/main" val="1987235624"/>
+        <p14:creationId xmlns:p14="http://schemas.microsoft.com/office/powerpoint/2010/main" val="1401016538"/>
       </p:ext>
     </p:extLst>
   </p:cSld>
@@ -5096,6 +5096,13 @@
   <p:clrMapOvr>
     <a:masterClrMapping/>
   </p:clrMapOvr>
+  <p:timing>
+    <p:tnLst>
+      <p:par>
+        <p:cTn id="1" dur="indefinite" restart="never" nodeType="tmRoot"/>
+      </p:par>
+    </p:tnLst>
+  </p:timing>
 </p:sld>
 </file>
 
@@ -5434,7 +5441,11 @@
             <a:pPr lvl="1"/>
             <a:r>
               <a:rPr lang="en-US" dirty="0" smtClean="0"/>
-              <a:t>Clustering better when trying to search a new term</a:t>
+              <a:t>Clustering better when trying to search a new </a:t>
+            </a:r>
+            <a:r>
+              <a:rPr lang="en-US" dirty="0" smtClean="0"/>
+              <a:t>term (tropical fish)</a:t>
             </a:r>
             <a:endParaRPr lang="en-US" dirty="0"/>
           </a:p>
@@ -5450,6 +5461,13 @@
   <p:clrMapOvr>
     <a:masterClrMapping/>
   </p:clrMapOvr>
+  <p:timing>
+    <p:tnLst>
+      <p:par>
+        <p:cTn id="1" dur="indefinite" restart="never" nodeType="tmRoot"/>
+      </p:par>
+    </p:tnLst>
+  </p:timing>
 </p:sld>
 </file>
 
@@ -5825,6 +5843,13 @@
   <p:clrMapOvr>
     <a:masterClrMapping/>
   </p:clrMapOvr>
+  <p:timing>
+    <p:tnLst>
+      <p:par>
+        <p:cTn id="1" dur="indefinite" restart="never" nodeType="tmRoot"/>
+      </p:par>
+    </p:tnLst>
+  </p:timing>
 </p:sld>
 </file>
 
@@ -5974,6 +5999,13 @@
   <p:clrMapOvr>
     <a:masterClrMapping/>
   </p:clrMapOvr>
+  <p:timing>
+    <p:tnLst>
+      <p:par>
+        <p:cTn id="1" dur="indefinite" restart="never" nodeType="tmRoot"/>
+      </p:par>
+    </p:tnLst>
+  </p:timing>
 </p:sld>
 </file>
 
@@ -6039,11 +6071,7 @@
           <a:p>
             <a:r>
               <a:rPr lang="en-US" dirty="0" smtClean="0"/>
-              <a:t>Striver: </a:t>
-            </a:r>
-            <a:r>
-              <a:rPr lang="en-US" dirty="0" smtClean="0"/>
-              <a:t>Meta-search engine that gets results from Google, </a:t>
+              <a:t>Striver: Meta-search engine that gets results from Google, </a:t>
             </a:r>
             <a:r>
               <a:rPr lang="en-US" dirty="0" err="1" smtClean="0"/>
@@ -6123,6 +6151,13 @@
   <p:clrMapOvr>
     <a:masterClrMapping/>
   </p:clrMapOvr>
+  <p:timing>
+    <p:tnLst>
+      <p:par>
+        <p:cTn id="1" dur="indefinite" restart="never" nodeType="tmRoot"/>
+      </p:par>
+    </p:tnLst>
+  </p:timing>
 </p:sld>
 </file>
 
@@ -6630,11 +6665,7 @@
           <a:p>
             <a:r>
               <a:rPr lang="en-US" dirty="0" smtClean="0"/>
-              <a:t>Training data: 20 users</a:t>
-            </a:r>
-            <a:r>
-              <a:rPr lang="en-US" dirty="0" smtClean="0"/>
-              <a:t>, 260 queries in 20 days</a:t>
+              <a:t>Training data: 20 users, 260 queries in 20 days</a:t>
             </a:r>
           </a:p>
           <a:p>
@@ -7447,7 +7478,7 @@
           <a:p>
             <a:r>
               <a:rPr lang="en-US" dirty="0" smtClean="0"/>
-              <a:t>Clustering URLs</a:t>
+              <a:t>Content-Ignorance</a:t>
             </a:r>
             <a:endParaRPr lang="en-US" dirty="0"/>
           </a:p>
@@ -7470,39 +7501,52 @@
           <a:p>
             <a:r>
               <a:rPr lang="en-US" dirty="0" smtClean="0"/>
-              <a:t>Grouping related URLs</a:t>
-            </a:r>
-          </a:p>
-          <a:p>
+              <a:t>Advantages:</a:t>
+            </a:r>
+          </a:p>
+          <a:p>
+            <a:pPr lvl="1"/>
             <a:r>
               <a:rPr lang="en-US" dirty="0" smtClean="0"/>
-              <a:t>Creating a user specific profile of interesting pages</a:t>
-            </a:r>
-          </a:p>
-          <a:p>
+              <a:t>Faster: Requires smaller database</a:t>
+            </a:r>
+          </a:p>
+          <a:p>
+            <a:pPr lvl="1"/>
             <a:r>
               <a:rPr lang="en-US" dirty="0" smtClean="0"/>
-              <a:t>Performed by humans</a:t>
-            </a:r>
-          </a:p>
-          <a:p>
+              <a:t>Text-free pages (YouTube)</a:t>
+            </a:r>
+          </a:p>
+          <a:p>
+            <a:pPr lvl="1"/>
             <a:r>
               <a:rPr lang="en-US" dirty="0" smtClean="0"/>
-              <a:t>Hierarchical Agglomerative Clustering (HAC)</a:t>
+              <a:t>Pages with restricted-access (</a:t>
+            </a:r>
+            <a:r>
+              <a:rPr lang="en-US" dirty="0" err="1" smtClean="0"/>
+              <a:t>LeoOnline</a:t>
+            </a:r>
+            <a:r>
+              <a:rPr lang="en-US" dirty="0" smtClean="0"/>
+              <a:t>)</a:t>
             </a:r>
           </a:p>
           <a:p>
             <a:pPr lvl="1"/>
             <a:r>
               <a:rPr lang="en-US" dirty="0" smtClean="0"/>
-              <a:t>Find the closest two documents and merge them</a:t>
-            </a:r>
-          </a:p>
-          <a:p>
+              <a:t>Pages with dynamic content (News websites)</a:t>
+            </a:r>
+          </a:p>
+          <a:p>
+            <a:pPr lvl="1"/>
             <a:r>
               <a:rPr lang="en-US" dirty="0" smtClean="0"/>
-              <a:t>Difference from HAC: Content-ignorant</a:t>
-            </a:r>
+              <a:t>Efficient: Simple algorithm</a:t>
+            </a:r>
+            <a:endParaRPr lang="en-US" dirty="0"/>
           </a:p>
         </p:txBody>
       </p:sp>
@@ -7538,7 +7582,7 @@
     </p:spTree>
     <p:extLst>
       <p:ext uri="{BB962C8B-B14F-4D97-AF65-F5344CB8AC3E}">
-        <p14:creationId xmlns:p14="http://schemas.microsoft.com/office/powerpoint/2010/main" val="1584710873"/>
+        <p14:creationId xmlns:p14="http://schemas.microsoft.com/office/powerpoint/2010/main" val="970925433"/>
       </p:ext>
     </p:extLst>
   </p:cSld>
@@ -7588,315 +7632,6 @@
           <a:lstStyle/>
           <a:p>
             <a:r>
-              <a:rPr lang="en-US" dirty="0" smtClean="0"/>
-              <a:t>Content-Ignorance</a:t>
-            </a:r>
-            <a:endParaRPr lang="en-US" dirty="0"/>
-          </a:p>
-        </p:txBody>
-      </p:sp>
-      <p:sp>
-        <p:nvSpPr>
-          <p:cNvPr id="3" name="Content Placeholder 2"/>
-          <p:cNvSpPr>
-            <a:spLocks noGrp="1"/>
-          </p:cNvSpPr>
-          <p:nvPr>
-            <p:ph idx="1"/>
-          </p:nvPr>
-        </p:nvSpPr>
-        <p:spPr/>
-        <p:txBody>
-          <a:bodyPr/>
-          <a:lstStyle/>
-          <a:p>
-            <a:r>
-              <a:rPr lang="en-US" dirty="0" smtClean="0"/>
-              <a:t>Advantages:</a:t>
-            </a:r>
-          </a:p>
-          <a:p>
-            <a:pPr lvl="1"/>
-            <a:r>
-              <a:rPr lang="en-US" dirty="0" smtClean="0"/>
-              <a:t>Faster: Requires smaller database</a:t>
-            </a:r>
-          </a:p>
-          <a:p>
-            <a:pPr lvl="1"/>
-            <a:r>
-              <a:rPr lang="en-US" dirty="0" smtClean="0"/>
-              <a:t>Text-free pages (YouTube)</a:t>
-            </a:r>
-          </a:p>
-          <a:p>
-            <a:pPr lvl="1"/>
-            <a:r>
-              <a:rPr lang="en-US" dirty="0" smtClean="0"/>
-              <a:t>Pages with restricted-access (</a:t>
-            </a:r>
-            <a:r>
-              <a:rPr lang="en-US" dirty="0" err="1" smtClean="0"/>
-              <a:t>LeoOnline</a:t>
-            </a:r>
-            <a:r>
-              <a:rPr lang="en-US" dirty="0" smtClean="0"/>
-              <a:t>)</a:t>
-            </a:r>
-          </a:p>
-          <a:p>
-            <a:pPr lvl="1"/>
-            <a:r>
-              <a:rPr lang="en-US" dirty="0" smtClean="0"/>
-              <a:t>Pages with dynamic content (News websites)</a:t>
-            </a:r>
-          </a:p>
-          <a:p>
-            <a:pPr lvl="1"/>
-            <a:r>
-              <a:rPr lang="en-US" dirty="0" smtClean="0"/>
-              <a:t>Efficient: Simple algorithm</a:t>
-            </a:r>
-            <a:endParaRPr lang="en-US" dirty="0"/>
-          </a:p>
-        </p:txBody>
-      </p:sp>
-      <p:sp>
-        <p:nvSpPr>
-          <p:cNvPr id="4" name="Slide Number Placeholder 3"/>
-          <p:cNvSpPr>
-            <a:spLocks noGrp="1"/>
-          </p:cNvSpPr>
-          <p:nvPr>
-            <p:ph type="sldNum" sz="quarter" idx="12"/>
-          </p:nvPr>
-        </p:nvSpPr>
-        <p:spPr/>
-        <p:txBody>
-          <a:bodyPr/>
-          <a:lstStyle/>
-          <a:p>
-            <a:pPr>
-              <a:defRPr/>
-            </a:pPr>
-            <a:fld id="{3B7990C0-3C55-4984-B590-E3D626DFDCD3}" type="slidenum">
-              <a:rPr lang="en-US" smtClean="0"/>
-              <a:pPr>
-                <a:defRPr/>
-              </a:pPr>
-              <a:t>4</a:t>
-            </a:fld>
-            <a:endParaRPr lang="en-US"/>
-          </a:p>
-        </p:txBody>
-      </p:sp>
-    </p:spTree>
-    <p:extLst>
-      <p:ext uri="{BB962C8B-B14F-4D97-AF65-F5344CB8AC3E}">
-        <p14:creationId xmlns:p14="http://schemas.microsoft.com/office/powerpoint/2010/main" val="970925433"/>
-      </p:ext>
-    </p:extLst>
-  </p:cSld>
-  <p:clrMapOvr>
-    <a:masterClrMapping/>
-  </p:clrMapOvr>
-</p:sld>
-</file>
-
-<file path=ppt/slides/slide5.xml><?xml version="1.0" encoding="utf-8"?>
-<p:sld xmlns:a="http://schemas.openxmlformats.org/drawingml/2006/main" xmlns:r="http://schemas.openxmlformats.org/officeDocument/2006/relationships" xmlns:p="http://schemas.openxmlformats.org/presentationml/2006/main">
-  <p:cSld>
-    <p:spTree>
-      <p:nvGrpSpPr>
-        <p:cNvPr id="1" name=""/>
-        <p:cNvGrpSpPr/>
-        <p:nvPr/>
-      </p:nvGrpSpPr>
-      <p:grpSpPr>
-        <a:xfrm>
-          <a:off x="0" y="0"/>
-          <a:ext cx="0" cy="0"/>
-          <a:chOff x="0" y="0"/>
-          <a:chExt cx="0" cy="0"/>
-        </a:xfrm>
-      </p:grpSpPr>
-      <p:sp>
-        <p:nvSpPr>
-          <p:cNvPr id="2" name="Title 1"/>
-          <p:cNvSpPr>
-            <a:spLocks noGrp="1"/>
-          </p:cNvSpPr>
-          <p:nvPr>
-            <p:ph type="title"/>
-          </p:nvPr>
-        </p:nvSpPr>
-        <p:spPr/>
-        <p:txBody>
-          <a:bodyPr/>
-          <a:lstStyle/>
-          <a:p>
-            <a:r>
-              <a:rPr lang="en-US" dirty="0" smtClean="0"/>
-              <a:t>Clustering Queries</a:t>
-            </a:r>
-            <a:endParaRPr lang="en-US" dirty="0"/>
-          </a:p>
-        </p:txBody>
-      </p:sp>
-      <p:sp>
-        <p:nvSpPr>
-          <p:cNvPr id="4" name="Slide Number Placeholder 3"/>
-          <p:cNvSpPr>
-            <a:spLocks noGrp="1"/>
-          </p:cNvSpPr>
-          <p:nvPr>
-            <p:ph type="sldNum" sz="quarter" idx="12"/>
-          </p:nvPr>
-        </p:nvSpPr>
-        <p:spPr/>
-        <p:txBody>
-          <a:bodyPr/>
-          <a:lstStyle/>
-          <a:p>
-            <a:pPr>
-              <a:defRPr/>
-            </a:pPr>
-            <a:fld id="{3B7990C0-3C55-4984-B590-E3D626DFDCD3}" type="slidenum">
-              <a:rPr lang="en-US" smtClean="0"/>
-              <a:pPr>
-                <a:defRPr/>
-              </a:pPr>
-              <a:t>5</a:t>
-            </a:fld>
-            <a:endParaRPr lang="en-US"/>
-          </a:p>
-        </p:txBody>
-      </p:sp>
-      <p:pic>
-        <p:nvPicPr>
-          <p:cNvPr id="5" name="Picture 4"/>
-          <p:cNvPicPr>
-            <a:picLocks noChangeAspect="1"/>
-          </p:cNvPicPr>
-          <p:nvPr/>
-        </p:nvPicPr>
-        <p:blipFill>
-          <a:blip r:embed="rId3">
-            <a:extLst>
-              <a:ext uri="{28A0092B-C50C-407E-A947-70E740481C1C}">
-                <a14:useLocalDpi xmlns:a14="http://schemas.microsoft.com/office/drawing/2010/main" val="0"/>
-              </a:ext>
-            </a:extLst>
-          </a:blip>
-          <a:stretch>
-            <a:fillRect/>
-          </a:stretch>
-        </p:blipFill>
-        <p:spPr>
-          <a:xfrm>
-            <a:off x="0" y="1892300"/>
-            <a:ext cx="9144000" cy="3051188"/>
-          </a:xfrm>
-          <a:prstGeom prst="rect">
-            <a:avLst/>
-          </a:prstGeom>
-        </p:spPr>
-      </p:pic>
-      <p:sp>
-        <p:nvSpPr>
-          <p:cNvPr id="7" name="TextBox 6"/>
-          <p:cNvSpPr txBox="1"/>
-          <p:nvPr/>
-        </p:nvSpPr>
-        <p:spPr>
-          <a:xfrm>
-            <a:off x="3030520" y="5589586"/>
-            <a:ext cx="3082960" cy="461665"/>
-          </a:xfrm>
-          <a:prstGeom prst="rect">
-            <a:avLst/>
-          </a:prstGeom>
-          <a:noFill/>
-        </p:spPr>
-        <p:txBody>
-          <a:bodyPr wrap="square" rtlCol="0">
-            <a:spAutoFit/>
-          </a:bodyPr>
-          <a:lstStyle/>
-          <a:p>
-            <a:r>
-              <a:rPr lang="en-US" smtClean="0"/>
-              <a:t>Figure 1 </a:t>
-            </a:r>
-            <a:r>
-              <a:rPr lang="en-US" dirty="0" smtClean="0"/>
-              <a:t>(</a:t>
-            </a:r>
-            <a:r>
-              <a:rPr lang="en-US" dirty="0" err="1" smtClean="0"/>
-              <a:t>Beeferman</a:t>
-            </a:r>
-            <a:r>
-              <a:rPr lang="en-US" dirty="0" smtClean="0"/>
-              <a:t>)</a:t>
-            </a:r>
-            <a:endParaRPr lang="en-US" dirty="0"/>
-          </a:p>
-        </p:txBody>
-      </p:sp>
-    </p:spTree>
-    <p:extLst>
-      <p:ext uri="{BB962C8B-B14F-4D97-AF65-F5344CB8AC3E}">
-        <p14:creationId xmlns:p14="http://schemas.microsoft.com/office/powerpoint/2010/main" val="376696776"/>
-      </p:ext>
-    </p:extLst>
-  </p:cSld>
-  <p:clrMapOvr>
-    <a:masterClrMapping/>
-  </p:clrMapOvr>
-  <p:timing>
-    <p:tnLst>
-      <p:par>
-        <p:cTn id="1" dur="indefinite" restart="never" nodeType="tmRoot"/>
-      </p:par>
-    </p:tnLst>
-  </p:timing>
-</p:sld>
-</file>
-
-<file path=ppt/slides/slide6.xml><?xml version="1.0" encoding="utf-8"?>
-<p:sld xmlns:a="http://schemas.openxmlformats.org/drawingml/2006/main" xmlns:r="http://schemas.openxmlformats.org/officeDocument/2006/relationships" xmlns:p="http://schemas.openxmlformats.org/presentationml/2006/main">
-  <p:cSld>
-    <p:spTree>
-      <p:nvGrpSpPr>
-        <p:cNvPr id="1" name=""/>
-        <p:cNvGrpSpPr/>
-        <p:nvPr/>
-      </p:nvGrpSpPr>
-      <p:grpSpPr>
-        <a:xfrm>
-          <a:off x="0" y="0"/>
-          <a:ext cx="0" cy="0"/>
-          <a:chOff x="0" y="0"/>
-          <a:chExt cx="0" cy="0"/>
-        </a:xfrm>
-      </p:grpSpPr>
-      <p:sp>
-        <p:nvSpPr>
-          <p:cNvPr id="2" name="Title 1"/>
-          <p:cNvSpPr>
-            <a:spLocks noGrp="1"/>
-          </p:cNvSpPr>
-          <p:nvPr>
-            <p:ph type="title"/>
-          </p:nvPr>
-        </p:nvSpPr>
-        <p:spPr/>
-        <p:txBody>
-          <a:bodyPr/>
-          <a:lstStyle/>
-          <a:p>
-            <a:r>
               <a:rPr lang="en-US" dirty="0" err="1" smtClean="0"/>
               <a:t>Clickthrough</a:t>
             </a:r>
@@ -7978,7 +7713,7 @@
               <a:pPr>
                 <a:defRPr/>
               </a:pPr>
-              <a:t>6</a:t>
+              <a:t>4</a:t>
             </a:fld>
             <a:endParaRPr lang="en-US"/>
           </a:p>
@@ -8175,7 +7910,7 @@
 </p:sld>
 </file>
 
-<file path=ppt/slides/slide7.xml><?xml version="1.0" encoding="utf-8"?>
+<file path=ppt/slides/slide5.xml><?xml version="1.0" encoding="utf-8"?>
 <p:sld xmlns:a="http://schemas.openxmlformats.org/drawingml/2006/main" xmlns:r="http://schemas.openxmlformats.org/officeDocument/2006/relationships" xmlns:p="http://schemas.openxmlformats.org/presentationml/2006/main">
   <p:cSld>
     <p:spTree>
@@ -8202,6 +7937,148 @@
             <p:ph type="title"/>
           </p:nvPr>
         </p:nvSpPr>
+        <p:spPr/>
+        <p:txBody>
+          <a:bodyPr/>
+          <a:lstStyle/>
+          <a:p>
+            <a:r>
+              <a:rPr lang="en-US" dirty="0" smtClean="0"/>
+              <a:t>Clustering URLs</a:t>
+            </a:r>
+            <a:endParaRPr lang="en-US" dirty="0"/>
+          </a:p>
+        </p:txBody>
+      </p:sp>
+      <p:sp>
+        <p:nvSpPr>
+          <p:cNvPr id="3" name="Content Placeholder 2"/>
+          <p:cNvSpPr>
+            <a:spLocks noGrp="1"/>
+          </p:cNvSpPr>
+          <p:nvPr>
+            <p:ph idx="1"/>
+          </p:nvPr>
+        </p:nvSpPr>
+        <p:spPr/>
+        <p:txBody>
+          <a:bodyPr/>
+          <a:lstStyle/>
+          <a:p>
+            <a:r>
+              <a:rPr lang="en-US" dirty="0" smtClean="0"/>
+              <a:t>Grouping related URLs</a:t>
+            </a:r>
+          </a:p>
+          <a:p>
+            <a:r>
+              <a:rPr lang="en-US" dirty="0" smtClean="0"/>
+              <a:t>Creating a user specific profile of interesting pages</a:t>
+            </a:r>
+          </a:p>
+          <a:p>
+            <a:r>
+              <a:rPr lang="en-US" dirty="0" smtClean="0"/>
+              <a:t>Performed by humans</a:t>
+            </a:r>
+          </a:p>
+          <a:p>
+            <a:r>
+              <a:rPr lang="en-US" dirty="0" smtClean="0"/>
+              <a:t>Hierarchical Agglomerative Clustering (HAC)</a:t>
+            </a:r>
+          </a:p>
+          <a:p>
+            <a:pPr lvl="1"/>
+            <a:r>
+              <a:rPr lang="en-US" dirty="0" smtClean="0"/>
+              <a:t>Find the closest two documents and merge them</a:t>
+            </a:r>
+          </a:p>
+          <a:p>
+            <a:r>
+              <a:rPr lang="en-US" dirty="0" smtClean="0"/>
+              <a:t>Difference from HAC: Content-ignorant</a:t>
+            </a:r>
+          </a:p>
+        </p:txBody>
+      </p:sp>
+      <p:sp>
+        <p:nvSpPr>
+          <p:cNvPr id="4" name="Slide Number Placeholder 3"/>
+          <p:cNvSpPr>
+            <a:spLocks noGrp="1"/>
+          </p:cNvSpPr>
+          <p:nvPr>
+            <p:ph type="sldNum" sz="quarter" idx="12"/>
+          </p:nvPr>
+        </p:nvSpPr>
+        <p:spPr/>
+        <p:txBody>
+          <a:bodyPr/>
+          <a:lstStyle/>
+          <a:p>
+            <a:pPr>
+              <a:defRPr/>
+            </a:pPr>
+            <a:fld id="{3B7990C0-3C55-4984-B590-E3D626DFDCD3}" type="slidenum">
+              <a:rPr lang="en-US" smtClean="0"/>
+              <a:pPr>
+                <a:defRPr/>
+              </a:pPr>
+              <a:t>5</a:t>
+            </a:fld>
+            <a:endParaRPr lang="en-US"/>
+          </a:p>
+        </p:txBody>
+      </p:sp>
+    </p:spTree>
+    <p:extLst>
+      <p:ext uri="{BB962C8B-B14F-4D97-AF65-F5344CB8AC3E}">
+        <p14:creationId xmlns:p14="http://schemas.microsoft.com/office/powerpoint/2010/main" val="1584710873"/>
+      </p:ext>
+    </p:extLst>
+  </p:cSld>
+  <p:clrMapOvr>
+    <a:masterClrMapping/>
+  </p:clrMapOvr>
+  <p:timing>
+    <p:tnLst>
+      <p:par>
+        <p:cTn id="1" dur="indefinite" restart="never" nodeType="tmRoot"/>
+      </p:par>
+    </p:tnLst>
+  </p:timing>
+</p:sld>
+</file>
+
+<file path=ppt/slides/slide6.xml><?xml version="1.0" encoding="utf-8"?>
+<p:sld xmlns:a="http://schemas.openxmlformats.org/drawingml/2006/main" xmlns:r="http://schemas.openxmlformats.org/officeDocument/2006/relationships" xmlns:p="http://schemas.openxmlformats.org/presentationml/2006/main">
+  <p:cSld>
+    <p:spTree>
+      <p:nvGrpSpPr>
+        <p:cNvPr id="1" name=""/>
+        <p:cNvGrpSpPr/>
+        <p:nvPr/>
+      </p:nvGrpSpPr>
+      <p:grpSpPr>
+        <a:xfrm>
+          <a:off x="0" y="0"/>
+          <a:ext cx="0" cy="0"/>
+          <a:chOff x="0" y="0"/>
+          <a:chExt cx="0" cy="0"/>
+        </a:xfrm>
+      </p:grpSpPr>
+      <p:sp>
+        <p:nvSpPr>
+          <p:cNvPr id="2" name="Title 1"/>
+          <p:cNvSpPr>
+            <a:spLocks noGrp="1"/>
+          </p:cNvSpPr>
+          <p:nvPr>
+            <p:ph type="title"/>
+          </p:nvPr>
+        </p:nvSpPr>
         <p:spPr>
           <a:xfrm>
             <a:off x="359979" y="342107"/>
@@ -8243,7 +8120,7 @@
               <a:pPr>
                 <a:defRPr/>
               </a:pPr>
-              <a:t>7</a:t>
+              <a:t>6</a:t>
             </a:fld>
             <a:endParaRPr lang="en-US"/>
           </a:p>
@@ -8320,6 +8197,167 @@
     <p:extLst>
       <p:ext uri="{BB962C8B-B14F-4D97-AF65-F5344CB8AC3E}">
         <p14:creationId xmlns:p14="http://schemas.microsoft.com/office/powerpoint/2010/main" val="1815754673"/>
+      </p:ext>
+    </p:extLst>
+  </p:cSld>
+  <p:clrMapOvr>
+    <a:masterClrMapping/>
+  </p:clrMapOvr>
+  <p:timing>
+    <p:tnLst>
+      <p:par>
+        <p:cTn id="1" dur="indefinite" restart="never" nodeType="tmRoot"/>
+      </p:par>
+    </p:tnLst>
+  </p:timing>
+</p:sld>
+</file>
+
+<file path=ppt/slides/slide7.xml><?xml version="1.0" encoding="utf-8"?>
+<p:sld xmlns:a="http://schemas.openxmlformats.org/drawingml/2006/main" xmlns:r="http://schemas.openxmlformats.org/officeDocument/2006/relationships" xmlns:p="http://schemas.openxmlformats.org/presentationml/2006/main">
+  <p:cSld>
+    <p:spTree>
+      <p:nvGrpSpPr>
+        <p:cNvPr id="1" name=""/>
+        <p:cNvGrpSpPr/>
+        <p:nvPr/>
+      </p:nvGrpSpPr>
+      <p:grpSpPr>
+        <a:xfrm>
+          <a:off x="0" y="0"/>
+          <a:ext cx="0" cy="0"/>
+          <a:chOff x="0" y="0"/>
+          <a:chExt cx="0" cy="0"/>
+        </a:xfrm>
+      </p:grpSpPr>
+      <p:sp>
+        <p:nvSpPr>
+          <p:cNvPr id="2" name="Title 1"/>
+          <p:cNvSpPr>
+            <a:spLocks noGrp="1"/>
+          </p:cNvSpPr>
+          <p:nvPr>
+            <p:ph type="title"/>
+          </p:nvPr>
+        </p:nvSpPr>
+        <p:spPr/>
+        <p:txBody>
+          <a:bodyPr/>
+          <a:lstStyle/>
+          <a:p>
+            <a:r>
+              <a:rPr lang="en-US" dirty="0" smtClean="0"/>
+              <a:t>Clustering Queries</a:t>
+            </a:r>
+            <a:endParaRPr lang="en-US" dirty="0"/>
+          </a:p>
+        </p:txBody>
+      </p:sp>
+      <p:sp>
+        <p:nvSpPr>
+          <p:cNvPr id="4" name="Slide Number Placeholder 3"/>
+          <p:cNvSpPr>
+            <a:spLocks noGrp="1"/>
+          </p:cNvSpPr>
+          <p:nvPr>
+            <p:ph type="sldNum" sz="quarter" idx="12"/>
+          </p:nvPr>
+        </p:nvSpPr>
+        <p:spPr/>
+        <p:txBody>
+          <a:bodyPr/>
+          <a:lstStyle/>
+          <a:p>
+            <a:pPr>
+              <a:defRPr/>
+            </a:pPr>
+            <a:fld id="{3B7990C0-3C55-4984-B590-E3D626DFDCD3}" type="slidenum">
+              <a:rPr lang="en-US" smtClean="0"/>
+              <a:pPr>
+                <a:defRPr/>
+              </a:pPr>
+              <a:t>7</a:t>
+            </a:fld>
+            <a:endParaRPr lang="en-US"/>
+          </a:p>
+        </p:txBody>
+      </p:sp>
+      <p:pic>
+        <p:nvPicPr>
+          <p:cNvPr id="5" name="Picture 4"/>
+          <p:cNvPicPr>
+            <a:picLocks noChangeAspect="1"/>
+          </p:cNvPicPr>
+          <p:nvPr/>
+        </p:nvPicPr>
+        <p:blipFill>
+          <a:blip r:embed="rId3">
+            <a:extLst>
+              <a:ext uri="{28A0092B-C50C-407E-A947-70E740481C1C}">
+                <a14:useLocalDpi xmlns:a14="http://schemas.microsoft.com/office/drawing/2010/main" val="0"/>
+              </a:ext>
+            </a:extLst>
+          </a:blip>
+          <a:stretch>
+            <a:fillRect/>
+          </a:stretch>
+        </p:blipFill>
+        <p:spPr>
+          <a:xfrm>
+            <a:off x="0" y="1892300"/>
+            <a:ext cx="9144000" cy="3051188"/>
+          </a:xfrm>
+          <a:prstGeom prst="rect">
+            <a:avLst/>
+          </a:prstGeom>
+        </p:spPr>
+      </p:pic>
+      <p:sp>
+        <p:nvSpPr>
+          <p:cNvPr id="7" name="TextBox 6"/>
+          <p:cNvSpPr txBox="1"/>
+          <p:nvPr/>
+        </p:nvSpPr>
+        <p:spPr>
+          <a:xfrm>
+            <a:off x="3030520" y="5589586"/>
+            <a:ext cx="3082960" cy="461665"/>
+          </a:xfrm>
+          <a:prstGeom prst="rect">
+            <a:avLst/>
+          </a:prstGeom>
+          <a:noFill/>
+        </p:spPr>
+        <p:txBody>
+          <a:bodyPr wrap="square" rtlCol="0">
+            <a:spAutoFit/>
+          </a:bodyPr>
+          <a:lstStyle/>
+          <a:p>
+            <a:r>
+              <a:rPr lang="en-US" smtClean="0"/>
+              <a:t>Figure 1 </a:t>
+            </a:r>
+            <a:r>
+              <a:rPr lang="en-US" dirty="0" smtClean="0"/>
+              <a:t>(</a:t>
+            </a:r>
+            <a:r>
+              <a:rPr lang="en-US" dirty="0" err="1" smtClean="0"/>
+              <a:t>Beeferman</a:t>
+            </a:r>
+            <a:r>
+              <a:rPr lang="en-US" dirty="0" smtClean="0"/>
+              <a:t>)</a:t>
+            </a:r>
+            <a:endParaRPr lang="en-US" dirty="0"/>
+          </a:p>
+        </p:txBody>
+      </p:sp>
+    </p:spTree>
+    <p:extLst>
+      <p:ext uri="{BB962C8B-B14F-4D97-AF65-F5344CB8AC3E}">
+        <p14:creationId xmlns:p14="http://schemas.microsoft.com/office/powerpoint/2010/main" val="376696776"/>
       </p:ext>
     </p:extLst>
   </p:cSld>
@@ -8742,6 +8780,13 @@
   <p:clrMapOvr>
     <a:masterClrMapping/>
   </p:clrMapOvr>
+  <p:timing>
+    <p:tnLst>
+      <p:par>
+        <p:cTn id="1" dur="indefinite" restart="never" nodeType="tmRoot"/>
+      </p:par>
+    </p:tnLst>
+  </p:timing>
 </p:sld>
 </file>
 
@@ -8903,6 +8948,13 @@
   <p:clrMapOvr>
     <a:masterClrMapping/>
   </p:clrMapOvr>
+  <p:timing>
+    <p:tnLst>
+      <p:par>
+        <p:cTn id="1" dur="indefinite" restart="never" nodeType="tmRoot"/>
+      </p:par>
+    </p:tnLst>
+  </p:timing>
 </p:sld>
 </file>
 
